--- a/Robot_Arm_Dance.pptx
+++ b/Robot_Arm_Dance.pptx
@@ -834,7 +834,7 @@
             <a:fld id="{B61BEF0D-F0BB-DE4B-95CE-6DB70DBA9567}" type="datetimeFigureOut">
               <a:rPr lang="en-US" dirty="0"/>
               <a:pPr/>
-              <a:t>6/18/2019</a:t>
+              <a:t>6/19/2019</a:t>
             </a:fld>
             <a:endParaRPr lang="en-US" dirty="0"/>
           </a:p>
@@ -1082,7 +1082,7 @@
             <a:fld id="{B61BEF0D-F0BB-DE4B-95CE-6DB70DBA9567}" type="datetimeFigureOut">
               <a:rPr lang="en-US" dirty="0"/>
               <a:pPr/>
-              <a:t>6/18/2019</a:t>
+              <a:t>6/19/2019</a:t>
             </a:fld>
             <a:endParaRPr lang="en-US" dirty="0"/>
           </a:p>
@@ -1393,7 +1393,7 @@
             <a:fld id="{B61BEF0D-F0BB-DE4B-95CE-6DB70DBA9567}" type="datetimeFigureOut">
               <a:rPr lang="en-US" dirty="0"/>
               <a:pPr/>
-              <a:t>6/18/2019</a:t>
+              <a:t>6/19/2019</a:t>
             </a:fld>
             <a:endParaRPr lang="en-US" dirty="0"/>
           </a:p>
@@ -1731,7 +1731,7 @@
             <a:fld id="{B61BEF0D-F0BB-DE4B-95CE-6DB70DBA9567}" type="datetimeFigureOut">
               <a:rPr lang="en-US" dirty="0"/>
               <a:pPr/>
-              <a:t>6/18/2019</a:t>
+              <a:t>6/19/2019</a:t>
             </a:fld>
             <a:endParaRPr lang="en-US" dirty="0"/>
           </a:p>
@@ -2042,7 +2042,7 @@
             <a:fld id="{B61BEF0D-F0BB-DE4B-95CE-6DB70DBA9567}" type="datetimeFigureOut">
               <a:rPr lang="en-US" dirty="0"/>
               <a:pPr/>
-              <a:t>6/18/2019</a:t>
+              <a:t>6/19/2019</a:t>
             </a:fld>
             <a:endParaRPr lang="en-US" dirty="0"/>
           </a:p>
@@ -2432,7 +2432,7 @@
             <a:fld id="{B61BEF0D-F0BB-DE4B-95CE-6DB70DBA9567}" type="datetimeFigureOut">
               <a:rPr lang="en-US" dirty="0"/>
               <a:pPr/>
-              <a:t>6/18/2019</a:t>
+              <a:t>6/19/2019</a:t>
             </a:fld>
             <a:endParaRPr lang="en-US" dirty="0"/>
           </a:p>
@@ -2598,7 +2598,7 @@
           <a:p>
             <a:fld id="{55C6B4A9-1611-4792-9094-5F34BCA07E0B}" type="datetimeFigureOut">
               <a:rPr lang="en-US" dirty="0"/>
-              <a:t>6/18/2019</a:t>
+              <a:t>6/19/2019</a:t>
             </a:fld>
             <a:endParaRPr lang="en-US" dirty="0"/>
           </a:p>
@@ -2774,7 +2774,7 @@
             <a:fld id="{B61BEF0D-F0BB-DE4B-95CE-6DB70DBA9567}" type="datetimeFigureOut">
               <a:rPr lang="en-US" dirty="0"/>
               <a:pPr/>
-              <a:t>6/18/2019</a:t>
+              <a:t>6/19/2019</a:t>
             </a:fld>
             <a:endParaRPr lang="en-US" dirty="0"/>
           </a:p>
@@ -2947,7 +2947,7 @@
             <a:fld id="{B61BEF0D-F0BB-DE4B-95CE-6DB70DBA9567}" type="datetimeFigureOut">
               <a:rPr lang="en-US" dirty="0"/>
               <a:pPr/>
-              <a:t>6/18/2019</a:t>
+              <a:t>6/19/2019</a:t>
             </a:fld>
             <a:endParaRPr lang="en-US" dirty="0"/>
           </a:p>
@@ -3191,7 +3191,7 @@
             <a:fld id="{B61BEF0D-F0BB-DE4B-95CE-6DB70DBA9567}" type="datetimeFigureOut">
               <a:rPr lang="en-US" dirty="0"/>
               <a:pPr/>
-              <a:t>6/18/2019</a:t>
+              <a:t>6/19/2019</a:t>
             </a:fld>
             <a:endParaRPr lang="en-US" dirty="0"/>
           </a:p>
@@ -3419,7 +3419,7 @@
           <a:p>
             <a:fld id="{EB712588-04B1-427B-82EE-E8DB90309F08}" type="datetimeFigureOut">
               <a:rPr lang="en-US" dirty="0"/>
-              <a:t>6/18/2019</a:t>
+              <a:t>6/19/2019</a:t>
             </a:fld>
             <a:endParaRPr lang="en-US" dirty="0"/>
           </a:p>
@@ -3789,7 +3789,7 @@
             <a:fld id="{B61BEF0D-F0BB-DE4B-95CE-6DB70DBA9567}" type="datetimeFigureOut">
               <a:rPr lang="en-US" dirty="0"/>
               <a:pPr/>
-              <a:t>6/18/2019</a:t>
+              <a:t>6/19/2019</a:t>
             </a:fld>
             <a:endParaRPr lang="en-US" dirty="0"/>
           </a:p>
@@ -3909,7 +3909,7 @@
             <a:fld id="{B61BEF0D-F0BB-DE4B-95CE-6DB70DBA9567}" type="datetimeFigureOut">
               <a:rPr lang="en-US" dirty="0"/>
               <a:pPr/>
-              <a:t>6/18/2019</a:t>
+              <a:t>6/19/2019</a:t>
             </a:fld>
             <a:endParaRPr lang="en-US" dirty="0"/>
           </a:p>
@@ -4001,7 +4001,7 @@
             <a:fld id="{B61BEF0D-F0BB-DE4B-95CE-6DB70DBA9567}" type="datetimeFigureOut">
               <a:rPr lang="en-US" dirty="0"/>
               <a:pPr/>
-              <a:t>6/18/2019</a:t>
+              <a:t>6/19/2019</a:t>
             </a:fld>
             <a:endParaRPr lang="en-US" dirty="0"/>
           </a:p>
@@ -4252,7 +4252,7 @@
           <a:p>
             <a:fld id="{42A54C80-263E-416B-A8E0-580EDEADCBDC}" type="datetimeFigureOut">
               <a:rPr lang="en-US" dirty="0"/>
-              <a:t>6/18/2019</a:t>
+              <a:t>6/19/2019</a:t>
             </a:fld>
             <a:endParaRPr lang="en-US" dirty="0"/>
           </a:p>
@@ -4511,7 +4511,7 @@
             <a:fld id="{B61BEF0D-F0BB-DE4B-95CE-6DB70DBA9567}" type="datetimeFigureOut">
               <a:rPr lang="en-US" dirty="0"/>
               <a:pPr/>
-              <a:t>6/18/2019</a:t>
+              <a:t>6/19/2019</a:t>
             </a:fld>
             <a:endParaRPr lang="en-US" dirty="0"/>
           </a:p>
@@ -5251,7 +5251,7 @@
             <a:fld id="{B61BEF0D-F0BB-DE4B-95CE-6DB70DBA9567}" type="datetimeFigureOut">
               <a:rPr lang="en-US" dirty="0"/>
               <a:pPr/>
-              <a:t>6/18/2019</a:t>
+              <a:t>6/19/2019</a:t>
             </a:fld>
             <a:endParaRPr lang="en-US" dirty="0"/>
           </a:p>
@@ -5776,7 +5776,7 @@
           <p:cNvPr id="2" name="標題 1">
             <a:extLst>
               <a:ext uri="{FF2B5EF4-FFF2-40B4-BE49-F238E27FC236}">
-                <a16:creationId xmlns:a16="http://schemas.microsoft.com/office/drawing/2014/main" id="{B80EF6C5-5439-425B-A650-9F00E921E5E1}"/>
+                <a16:creationId xmlns:a16="http://schemas.microsoft.com/office/drawing/2014/main" xmlns="" id="{B80EF6C5-5439-425B-A650-9F00E921E5E1}"/>
               </a:ext>
             </a:extLst>
           </p:cNvPr>
@@ -5806,7 +5806,7 @@
           <p:cNvPr id="3" name="副標題 2">
             <a:extLst>
               <a:ext uri="{FF2B5EF4-FFF2-40B4-BE49-F238E27FC236}">
-                <a16:creationId xmlns:a16="http://schemas.microsoft.com/office/drawing/2014/main" id="{71D9B914-AC9C-405C-B330-687F40D19331}"/>
+                <a16:creationId xmlns:a16="http://schemas.microsoft.com/office/drawing/2014/main" xmlns="" id="{71D9B914-AC9C-405C-B330-687F40D19331}"/>
               </a:ext>
             </a:extLst>
           </p:cNvPr>
@@ -5877,7 +5877,7 @@
           <p:cNvPr id="2" name="標題 1">
             <a:extLst>
               <a:ext uri="{FF2B5EF4-FFF2-40B4-BE49-F238E27FC236}">
-                <a16:creationId xmlns:a16="http://schemas.microsoft.com/office/drawing/2014/main" id="{C07F0143-5CAA-4D96-941A-CDA824A79341}"/>
+                <a16:creationId xmlns:a16="http://schemas.microsoft.com/office/drawing/2014/main" xmlns="" id="{C07F0143-5CAA-4D96-941A-CDA824A79341}"/>
               </a:ext>
             </a:extLst>
           </p:cNvPr>
@@ -5900,7 +5900,15 @@
           <a:p>
             <a:r>
               <a:rPr lang="zh-TW" altLang="en-US" dirty="0"/>
-              <a:t>使用工具</a:t>
+              <a:t>分工</a:t>
+            </a:r>
+            <a:r>
+              <a:rPr lang="zh-TW" altLang="en-US" dirty="0" smtClean="0"/>
+              <a:t>及使用</a:t>
+            </a:r>
+            <a:r>
+              <a:rPr lang="zh-TW" altLang="en-US" dirty="0"/>
+              <a:t>工具</a:t>
             </a:r>
           </a:p>
         </p:txBody>
@@ -5910,7 +5918,7 @@
           <p:cNvPr id="3" name="直排文字版面配置區 2">
             <a:extLst>
               <a:ext uri="{FF2B5EF4-FFF2-40B4-BE49-F238E27FC236}">
-                <a16:creationId xmlns:a16="http://schemas.microsoft.com/office/drawing/2014/main" id="{16F1E424-10E8-4627-86E9-3BF6985CFBED}"/>
+                <a16:creationId xmlns:a16="http://schemas.microsoft.com/office/drawing/2014/main" xmlns="" id="{16F1E424-10E8-4627-86E9-3BF6985CFBED}"/>
               </a:ext>
             </a:extLst>
           </p:cNvPr>
@@ -5943,16 +5951,54 @@
             <a:r>
               <a:rPr lang="zh-TW" altLang="en-US" sz="2400" dirty="0">
                 <a:latin typeface="+mn-ea"/>
+                <a:sym typeface="Wingdings" panose="05000000000000000000" pitchFamily="2" charset="2"/>
               </a:rPr>
-              <a:t>介面設計</a:t>
+              <a:t>林詩</a:t>
+            </a:r>
+            <a:r>
+              <a:rPr lang="zh-TW" altLang="en-US" sz="2400" dirty="0" smtClean="0">
+                <a:latin typeface="+mn-ea"/>
+                <a:sym typeface="Wingdings" panose="05000000000000000000" pitchFamily="2" charset="2"/>
+              </a:rPr>
+              <a:t>軒</a:t>
+            </a:r>
+            <a:r>
+              <a:rPr lang="en-US" altLang="zh-TW" sz="2400" dirty="0" smtClean="0">
+                <a:latin typeface="+mn-ea"/>
+                <a:sym typeface="Wingdings" panose="05000000000000000000" pitchFamily="2" charset="2"/>
+              </a:rPr>
+              <a:t>:</a:t>
+            </a:r>
+            <a:r>
+              <a:rPr lang="zh-TW" altLang="en-US" sz="2400" dirty="0" smtClean="0">
+                <a:latin typeface="+mn-ea"/>
+              </a:rPr>
+              <a:t>介面</a:t>
+            </a:r>
+            <a:r>
+              <a:rPr lang="zh-TW" altLang="en-US" sz="2400" dirty="0">
+                <a:latin typeface="+mn-ea"/>
+              </a:rPr>
+              <a:t>設計</a:t>
             </a:r>
             <a:r>
               <a:rPr lang="en-US" altLang="zh-TW" sz="2400" dirty="0">
                 <a:latin typeface="+mn-ea"/>
                 <a:sym typeface="Wingdings" panose="05000000000000000000" pitchFamily="2" charset="2"/>
               </a:rPr>
-              <a:t>Android Studio</a:t>
-            </a:r>
+              <a:t>Android </a:t>
+            </a:r>
+            <a:r>
+              <a:rPr lang="en-US" altLang="zh-TW" sz="2400" dirty="0" smtClean="0">
+                <a:latin typeface="+mn-ea"/>
+                <a:sym typeface="Wingdings" panose="05000000000000000000" pitchFamily="2" charset="2"/>
+              </a:rPr>
+              <a:t>Studio </a:t>
+            </a:r>
+            <a:endParaRPr lang="en-US" altLang="zh-TW" sz="2400" dirty="0">
+              <a:latin typeface="+mn-ea"/>
+              <a:sym typeface="Wingdings" panose="05000000000000000000" pitchFamily="2" charset="2"/>
+            </a:endParaRPr>
           </a:p>
           <a:p>
             <a:pPr>
@@ -5965,6 +6011,27 @@
             <a:r>
               <a:rPr lang="zh-TW" altLang="en-US" sz="2400" dirty="0">
                 <a:latin typeface="+mn-ea"/>
+                <a:sym typeface="Wingdings" panose="05000000000000000000" pitchFamily="2" charset="2"/>
+              </a:rPr>
+              <a:t>謝璨</a:t>
+            </a:r>
+            <a:r>
+              <a:rPr lang="zh-TW" altLang="en-US" sz="2400" dirty="0" smtClean="0">
+                <a:latin typeface="+mn-ea"/>
+                <a:sym typeface="Wingdings" panose="05000000000000000000" pitchFamily="2" charset="2"/>
+              </a:rPr>
+              <a:t>安</a:t>
+            </a:r>
+            <a:r>
+              <a:rPr lang="en-US" altLang="zh-TW" sz="2400" dirty="0" smtClean="0">
+                <a:latin typeface="+mn-ea"/>
+                <a:sym typeface="Wingdings" panose="05000000000000000000" pitchFamily="2" charset="2"/>
+              </a:rPr>
+              <a:t>:</a:t>
+            </a:r>
+            <a:r>
+              <a:rPr lang="zh-TW" altLang="en-US" sz="2400" dirty="0" smtClean="0">
+                <a:latin typeface="+mn-ea"/>
               </a:rPr>
               <a:t>資料庫</a:t>
             </a:r>
@@ -5973,8 +6040,33 @@
                 <a:latin typeface="+mn-ea"/>
                 <a:sym typeface="Wingdings" panose="05000000000000000000" pitchFamily="2" charset="2"/>
               </a:rPr>
-              <a:t>Room Database</a:t>
-            </a:r>
+              <a:t> Android </a:t>
+            </a:r>
+            <a:r>
+              <a:rPr lang="en-US" altLang="zh-TW" sz="2400" dirty="0" smtClean="0">
+                <a:latin typeface="+mn-ea"/>
+                <a:sym typeface="Wingdings" panose="05000000000000000000" pitchFamily="2" charset="2"/>
+              </a:rPr>
+              <a:t>Room </a:t>
+            </a:r>
+            <a:r>
+              <a:rPr lang="en-US" altLang="zh-TW" sz="2400" dirty="0" smtClean="0">
+                <a:latin typeface="+mn-ea"/>
+                <a:sym typeface="Wingdings" panose="05000000000000000000" pitchFamily="2" charset="2"/>
+              </a:rPr>
+              <a:t>Database</a:t>
+            </a:r>
+            <a:r>
+              <a:rPr lang="zh-TW" altLang="en-US" sz="2400" dirty="0" smtClean="0">
+                <a:latin typeface="+mn-ea"/>
+                <a:sym typeface="Wingdings" panose="05000000000000000000" pitchFamily="2" charset="2"/>
+              </a:rPr>
+              <a:t>    </a:t>
+            </a:r>
+            <a:endParaRPr lang="en-US" altLang="zh-TW" sz="2400" dirty="0" smtClean="0">
+              <a:latin typeface="+mn-ea"/>
+              <a:sym typeface="Wingdings" panose="05000000000000000000" pitchFamily="2" charset="2"/>
+            </a:endParaRPr>
           </a:p>
           <a:p>
             <a:pPr>
@@ -5985,25 +6077,81 @@
               <a:buChar char="l"/>
             </a:pPr>
             <a:r>
-              <a:rPr lang="zh-TW" altLang="en-US" sz="2400" dirty="0">
+              <a:rPr lang="zh-TW" altLang="en-US" sz="2400" dirty="0" smtClean="0">
                 <a:latin typeface="+mn-ea"/>
                 <a:sym typeface="Wingdings" panose="05000000000000000000" pitchFamily="2" charset="2"/>
               </a:rPr>
-              <a:t>應用系統</a:t>
+              <a:t>顏廷安</a:t>
+            </a:r>
+            <a:r>
+              <a:rPr lang="en-US" altLang="zh-TW" sz="2400" dirty="0" smtClean="0">
+                <a:latin typeface="+mn-ea"/>
+                <a:sym typeface="Wingdings" panose="05000000000000000000" pitchFamily="2" charset="2"/>
+              </a:rPr>
+              <a:t>:</a:t>
+            </a:r>
+            <a:r>
+              <a:rPr lang="zh-TW" altLang="en-US" sz="2400" dirty="0" smtClean="0">
+                <a:latin typeface="+mn-ea"/>
+                <a:sym typeface="Wingdings" panose="05000000000000000000" pitchFamily="2" charset="2"/>
+              </a:rPr>
+              <a:t>應用</a:t>
+            </a:r>
+            <a:r>
+              <a:rPr lang="zh-TW" altLang="en-US" sz="2400" dirty="0" smtClean="0">
+                <a:latin typeface="+mn-ea"/>
+                <a:sym typeface="Wingdings" panose="05000000000000000000" pitchFamily="2" charset="2"/>
+              </a:rPr>
+              <a:t>系統與專案整合</a:t>
+            </a:r>
+            <a:r>
+              <a:rPr lang="en-US" altLang="zh-TW" sz="2400" dirty="0" smtClean="0">
+                <a:latin typeface="+mn-ea"/>
+                <a:sym typeface="Wingdings" panose="05000000000000000000" pitchFamily="2" charset="2"/>
+              </a:rPr>
+              <a:t></a:t>
             </a:r>
             <a:r>
               <a:rPr lang="en-US" altLang="zh-TW" sz="2400" dirty="0">
                 <a:latin typeface="+mn-ea"/>
                 <a:sym typeface="Wingdings" panose="05000000000000000000" pitchFamily="2" charset="2"/>
               </a:rPr>
-              <a:t>Arduino </a:t>
-            </a:r>
-            <a:r>
-              <a:rPr lang="en-US" altLang="zh-TW" sz="2400" dirty="0" err="1">
+              <a:t>Arduino </a:t>
+            </a:r>
+            <a:r>
+              <a:rPr lang="en-US" altLang="zh-TW" sz="2400" dirty="0" err="1" smtClean="0">
                 <a:latin typeface="+mn-ea"/>
                 <a:sym typeface="Wingdings" panose="05000000000000000000" pitchFamily="2" charset="2"/>
               </a:rPr>
               <a:t>Yún</a:t>
+            </a:r>
+            <a:r>
+              <a:rPr lang="zh-TW" altLang="en-US" sz="2400" dirty="0" smtClean="0">
+                <a:latin typeface="+mn-ea"/>
+                <a:sym typeface="Wingdings" panose="05000000000000000000" pitchFamily="2" charset="2"/>
+              </a:rPr>
+              <a:t> </a:t>
+            </a:r>
+            <a:r>
+              <a:rPr lang="en-US" altLang="zh-TW" sz="2400" dirty="0" smtClean="0">
+                <a:latin typeface="+mn-ea"/>
+                <a:sym typeface="Wingdings" panose="05000000000000000000" pitchFamily="2" charset="2"/>
+              </a:rPr>
+              <a:t>&amp;</a:t>
+            </a:r>
+            <a:r>
+              <a:rPr lang="zh-TW" altLang="en-US" sz="2400" dirty="0" smtClean="0">
+                <a:latin typeface="+mn-ea"/>
+                <a:sym typeface="Wingdings" panose="05000000000000000000" pitchFamily="2" charset="2"/>
+              </a:rPr>
+              <a:t> </a:t>
+            </a:r>
+            <a:r>
+              <a:rPr lang="en-US" altLang="zh-TW" sz="2400" dirty="0" smtClean="0">
+                <a:latin typeface="+mn-ea"/>
+                <a:sym typeface="Wingdings" panose="05000000000000000000" pitchFamily="2" charset="2"/>
+              </a:rPr>
+              <a:t>Robot Arm</a:t>
             </a:r>
             <a:endParaRPr lang="zh-TW" altLang="en-US" sz="2400" dirty="0">
               <a:latin typeface="+mn-ea"/>
@@ -6046,7 +6194,7 @@
           <p:cNvPr id="2" name="標題 1">
             <a:extLst>
               <a:ext uri="{FF2B5EF4-FFF2-40B4-BE49-F238E27FC236}">
-                <a16:creationId xmlns:a16="http://schemas.microsoft.com/office/drawing/2014/main" id="{C07F0143-5CAA-4D96-941A-CDA824A79341}"/>
+                <a16:creationId xmlns:a16="http://schemas.microsoft.com/office/drawing/2014/main" xmlns="" id="{C07F0143-5CAA-4D96-941A-CDA824A79341}"/>
               </a:ext>
             </a:extLst>
           </p:cNvPr>
@@ -6097,7 +6245,7 @@
           <p:cNvPr id="3" name="直排文字版面配置區 2">
             <a:extLst>
               <a:ext uri="{FF2B5EF4-FFF2-40B4-BE49-F238E27FC236}">
-                <a16:creationId xmlns:a16="http://schemas.microsoft.com/office/drawing/2014/main" id="{16F1E424-10E8-4627-86E9-3BF6985CFBED}"/>
+                <a16:creationId xmlns:a16="http://schemas.microsoft.com/office/drawing/2014/main" xmlns="" id="{16F1E424-10E8-4627-86E9-3BF6985CFBED}"/>
               </a:ext>
             </a:extLst>
           </p:cNvPr>
@@ -6232,7 +6380,7 @@
           <p:cNvPr id="5" name="Picture 2" descr="418STK+6U3L">
             <a:extLst>
               <a:ext uri="{FF2B5EF4-FFF2-40B4-BE49-F238E27FC236}">
-                <a16:creationId xmlns:a16="http://schemas.microsoft.com/office/drawing/2014/main" id="{8E003C02-84B7-4BE3-AA66-14E7E0DC7C2B}"/>
+                <a16:creationId xmlns:a16="http://schemas.microsoft.com/office/drawing/2014/main" xmlns="" id="{8E003C02-84B7-4BE3-AA66-14E7E0DC7C2B}"/>
               </a:ext>
             </a:extLst>
           </p:cNvPr>
@@ -6280,7 +6428,7 @@
           <p:cNvPr id="4" name="Picture 4" descr="ãArduino YÃºnãçåçæå°çµæ">
             <a:extLst>
               <a:ext uri="{FF2B5EF4-FFF2-40B4-BE49-F238E27FC236}">
-                <a16:creationId xmlns:a16="http://schemas.microsoft.com/office/drawing/2014/main" id="{3682C6EF-D84D-4AF1-96B7-9DF3EE5F198F}"/>
+                <a16:creationId xmlns:a16="http://schemas.microsoft.com/office/drawing/2014/main" xmlns="" id="{3682C6EF-D84D-4AF1-96B7-9DF3EE5F198F}"/>
               </a:ext>
             </a:extLst>
           </p:cNvPr>
@@ -6355,7 +6503,7 @@
           <p:cNvPr id="9" name="Picture 2" descr="418STK+6U3L">
             <a:extLst>
               <a:ext uri="{FF2B5EF4-FFF2-40B4-BE49-F238E27FC236}">
-                <a16:creationId xmlns:a16="http://schemas.microsoft.com/office/drawing/2014/main" id="{218B22DB-FDDA-49D7-92A6-CA4C2ED4BCA1}"/>
+                <a16:creationId xmlns:a16="http://schemas.microsoft.com/office/drawing/2014/main" xmlns="" id="{218B22DB-FDDA-49D7-92A6-CA4C2ED4BCA1}"/>
               </a:ext>
             </a:extLst>
           </p:cNvPr>
@@ -6403,7 +6551,7 @@
           <p:cNvPr id="2" name="標題 1">
             <a:extLst>
               <a:ext uri="{FF2B5EF4-FFF2-40B4-BE49-F238E27FC236}">
-                <a16:creationId xmlns:a16="http://schemas.microsoft.com/office/drawing/2014/main" id="{C07F0143-5CAA-4D96-941A-CDA824A79341}"/>
+                <a16:creationId xmlns:a16="http://schemas.microsoft.com/office/drawing/2014/main" xmlns="" id="{C07F0143-5CAA-4D96-941A-CDA824A79341}"/>
               </a:ext>
             </a:extLst>
           </p:cNvPr>
@@ -6436,7 +6584,7 @@
           <p:cNvPr id="4" name="箭號: 向右 3">
             <a:extLst>
               <a:ext uri="{FF2B5EF4-FFF2-40B4-BE49-F238E27FC236}">
-                <a16:creationId xmlns:a16="http://schemas.microsoft.com/office/drawing/2014/main" id="{C8C02CCD-C556-4E34-8446-C49617F89DDD}"/>
+                <a16:creationId xmlns:a16="http://schemas.microsoft.com/office/drawing/2014/main" xmlns="" id="{C8C02CCD-C556-4E34-8446-C49617F89DDD}"/>
               </a:ext>
             </a:extLst>
           </p:cNvPr>
@@ -6489,7 +6637,7 @@
           <p:cNvPr id="5" name="Picture 4" descr="ãArduino YÃºnãçåçæå°çµæ">
             <a:extLst>
               <a:ext uri="{FF2B5EF4-FFF2-40B4-BE49-F238E27FC236}">
-                <a16:creationId xmlns:a16="http://schemas.microsoft.com/office/drawing/2014/main" id="{D74B8EE8-A8BB-4E31-BFAD-18F4C601E6DA}"/>
+                <a16:creationId xmlns:a16="http://schemas.microsoft.com/office/drawing/2014/main" xmlns="" id="{D74B8EE8-A8BB-4E31-BFAD-18F4C601E6DA}"/>
               </a:ext>
             </a:extLst>
           </p:cNvPr>
@@ -6536,7 +6684,7 @@
           <p:cNvPr id="7" name="圖片 6">
             <a:extLst>
               <a:ext uri="{FF2B5EF4-FFF2-40B4-BE49-F238E27FC236}">
-                <a16:creationId xmlns:a16="http://schemas.microsoft.com/office/drawing/2014/main" id="{A72D2519-23D1-47A0-94FC-01ED9605ACFF}"/>
+                <a16:creationId xmlns:a16="http://schemas.microsoft.com/office/drawing/2014/main" xmlns="" id="{A72D2519-23D1-47A0-94FC-01ED9605ACFF}"/>
               </a:ext>
             </a:extLst>
           </p:cNvPr>
@@ -6566,7 +6714,7 @@
           <p:cNvPr id="8" name="圖片 7">
             <a:extLst>
               <a:ext uri="{FF2B5EF4-FFF2-40B4-BE49-F238E27FC236}">
-                <a16:creationId xmlns:a16="http://schemas.microsoft.com/office/drawing/2014/main" id="{B11BE4CF-EFAD-4C08-8EE9-8660947CBCE9}"/>
+                <a16:creationId xmlns:a16="http://schemas.microsoft.com/office/drawing/2014/main" xmlns="" id="{B11BE4CF-EFAD-4C08-8EE9-8660947CBCE9}"/>
               </a:ext>
             </a:extLst>
           </p:cNvPr>
@@ -6596,7 +6744,7 @@
           <p:cNvPr id="10" name="文字方塊 9">
             <a:extLst>
               <a:ext uri="{FF2B5EF4-FFF2-40B4-BE49-F238E27FC236}">
-                <a16:creationId xmlns:a16="http://schemas.microsoft.com/office/drawing/2014/main" id="{70528213-9DE4-4D78-9DD1-276CBDB3DBF7}"/>
+                <a16:creationId xmlns:a16="http://schemas.microsoft.com/office/drawing/2014/main" xmlns="" id="{70528213-9DE4-4D78-9DD1-276CBDB3DBF7}"/>
               </a:ext>
             </a:extLst>
           </p:cNvPr>
@@ -6641,7 +6789,7 @@
           <p:cNvPr id="15" name="箭號: 彎曲 14">
             <a:extLst>
               <a:ext uri="{FF2B5EF4-FFF2-40B4-BE49-F238E27FC236}">
-                <a16:creationId xmlns:a16="http://schemas.microsoft.com/office/drawing/2014/main" id="{97B54716-746C-4CDB-8B85-A9E4410A2740}"/>
+                <a16:creationId xmlns:a16="http://schemas.microsoft.com/office/drawing/2014/main" xmlns="" id="{97B54716-746C-4CDB-8B85-A9E4410A2740}"/>
               </a:ext>
             </a:extLst>
           </p:cNvPr>
@@ -6699,7 +6847,7 @@
           <p:cNvPr id="17" name="文字方塊 16">
             <a:extLst>
               <a:ext uri="{FF2B5EF4-FFF2-40B4-BE49-F238E27FC236}">
-                <a16:creationId xmlns:a16="http://schemas.microsoft.com/office/drawing/2014/main" id="{97380F8A-2E26-4349-9FEB-B338B2C1244D}"/>
+                <a16:creationId xmlns:a16="http://schemas.microsoft.com/office/drawing/2014/main" xmlns="" id="{97380F8A-2E26-4349-9FEB-B338B2C1244D}"/>
               </a:ext>
             </a:extLst>
           </p:cNvPr>
@@ -7181,7 +7329,7 @@
           <p:cNvPr id="2" name="標題 1">
             <a:extLst>
               <a:ext uri="{FF2B5EF4-FFF2-40B4-BE49-F238E27FC236}">
-                <a16:creationId xmlns:a16="http://schemas.microsoft.com/office/drawing/2014/main" id="{B80EF6C5-5439-425B-A650-9F00E921E5E1}"/>
+                <a16:creationId xmlns:a16="http://schemas.microsoft.com/office/drawing/2014/main" xmlns="" id="{B80EF6C5-5439-425B-A650-9F00E921E5E1}"/>
               </a:ext>
             </a:extLst>
           </p:cNvPr>
@@ -7211,7 +7359,7 @@
           <p:cNvPr id="5" name="副標題 4">
             <a:extLst>
               <a:ext uri="{FF2B5EF4-FFF2-40B4-BE49-F238E27FC236}">
-                <a16:creationId xmlns:a16="http://schemas.microsoft.com/office/drawing/2014/main" id="{6730A8AF-C0F9-46DE-836D-DD1EAE11B096}"/>
+                <a16:creationId xmlns:a16="http://schemas.microsoft.com/office/drawing/2014/main" xmlns="" id="{6730A8AF-C0F9-46DE-836D-DD1EAE11B096}"/>
               </a:ext>
             </a:extLst>
           </p:cNvPr>
@@ -7495,7 +7643,7 @@
   <a:extraClrSchemeLst/>
   <a:extLst>
     <a:ext uri="{05A4C25C-085E-4340-85A3-A5531E510DB2}">
-      <thm15:themeFamily xmlns:thm15="http://schemas.microsoft.com/office/thememl/2012/main" name="Facet" id="{C0C680CD-088A-49FC-A102-D699147F32B2}" vid="{CFBC31BA-B70F-4F30-BCAA-4F3011E16C4D}"/>
+      <thm15:themeFamily xmlns:thm15="http://schemas.microsoft.com/office/thememl/2012/main" xmlns="" name="Facet" id="{C0C680CD-088A-49FC-A102-D699147F32B2}" vid="{CFBC31BA-B70F-4F30-BCAA-4F3011E16C4D}"/>
     </a:ext>
   </a:extLst>
 </a:theme>

--- a/Robot_Arm_Dance.pptx
+++ b/Robot_Arm_Dance.pptx
@@ -5776,7 +5776,7 @@
           <p:cNvPr id="2" name="標題 1">
             <a:extLst>
               <a:ext uri="{FF2B5EF4-FFF2-40B4-BE49-F238E27FC236}">
-                <a16:creationId xmlns:a16="http://schemas.microsoft.com/office/drawing/2014/main" xmlns="" id="{B80EF6C5-5439-425B-A650-9F00E921E5E1}"/>
+                <a16:creationId xmlns="" xmlns:a16="http://schemas.microsoft.com/office/drawing/2014/main" id="{B80EF6C5-5439-425B-A650-9F00E921E5E1}"/>
               </a:ext>
             </a:extLst>
           </p:cNvPr>
@@ -5806,7 +5806,7 @@
           <p:cNvPr id="3" name="副標題 2">
             <a:extLst>
               <a:ext uri="{FF2B5EF4-FFF2-40B4-BE49-F238E27FC236}">
-                <a16:creationId xmlns:a16="http://schemas.microsoft.com/office/drawing/2014/main" xmlns="" id="{71D9B914-AC9C-405C-B330-687F40D19331}"/>
+                <a16:creationId xmlns="" xmlns:a16="http://schemas.microsoft.com/office/drawing/2014/main" id="{71D9B914-AC9C-405C-B330-687F40D19331}"/>
               </a:ext>
             </a:extLst>
           </p:cNvPr>
@@ -5877,7 +5877,7 @@
           <p:cNvPr id="2" name="標題 1">
             <a:extLst>
               <a:ext uri="{FF2B5EF4-FFF2-40B4-BE49-F238E27FC236}">
-                <a16:creationId xmlns:a16="http://schemas.microsoft.com/office/drawing/2014/main" xmlns="" id="{C07F0143-5CAA-4D96-941A-CDA824A79341}"/>
+                <a16:creationId xmlns="" xmlns:a16="http://schemas.microsoft.com/office/drawing/2014/main" id="{C07F0143-5CAA-4D96-941A-CDA824A79341}"/>
               </a:ext>
             </a:extLst>
           </p:cNvPr>
@@ -5918,7 +5918,7 @@
           <p:cNvPr id="3" name="直排文字版面配置區 2">
             <a:extLst>
               <a:ext uri="{FF2B5EF4-FFF2-40B4-BE49-F238E27FC236}">
-                <a16:creationId xmlns:a16="http://schemas.microsoft.com/office/drawing/2014/main" xmlns="" id="{16F1E424-10E8-4627-86E9-3BF6985CFBED}"/>
+                <a16:creationId xmlns="" xmlns:a16="http://schemas.microsoft.com/office/drawing/2014/main" id="{16F1E424-10E8-4627-86E9-3BF6985CFBED}"/>
               </a:ext>
             </a:extLst>
           </p:cNvPr>
@@ -5931,8 +5931,8 @@
         </p:nvSpPr>
         <p:spPr>
           <a:xfrm>
-            <a:off x="677334" y="1731147"/>
-            <a:ext cx="8596668" cy="4310216"/>
+            <a:off x="677333" y="1731147"/>
+            <a:ext cx="9356353" cy="4310216"/>
           </a:xfrm>
         </p:spPr>
         <p:txBody>
@@ -5976,17 +5976,36 @@
               <a:t>介面</a:t>
             </a:r>
             <a:r>
-              <a:rPr lang="zh-TW" altLang="en-US" sz="2400" dirty="0">
+              <a:rPr lang="zh-TW" altLang="en-US" sz="2400" dirty="0" smtClean="0">
                 <a:latin typeface="+mn-ea"/>
               </a:rPr>
               <a:t>設計</a:t>
+            </a:r>
+            <a:r>
+              <a:rPr lang="en-US" altLang="zh-TW" sz="2400" dirty="0" smtClean="0">
+                <a:latin typeface="+mn-ea"/>
+              </a:rPr>
+              <a:t>,</a:t>
+            </a:r>
+            <a:r>
+              <a:rPr lang="zh-TW" altLang="en-US" sz="2400" dirty="0" smtClean="0">
+                <a:latin typeface="+mn-ea"/>
+              </a:rPr>
+              <a:t>報告</a:t>
+            </a:r>
+            <a:r>
+              <a:rPr lang="en-US" altLang="zh-TW" sz="2400" dirty="0" smtClean="0">
+                <a:latin typeface="+mn-ea"/>
+                <a:sym typeface="Wingdings" panose="05000000000000000000" pitchFamily="2" charset="2"/>
+              </a:rPr>
+              <a:t></a:t>
             </a:r>
             <a:r>
               <a:rPr lang="en-US" altLang="zh-TW" sz="2400" dirty="0">
                 <a:latin typeface="+mn-ea"/>
                 <a:sym typeface="Wingdings" panose="05000000000000000000" pitchFamily="2" charset="2"/>
               </a:rPr>
-              <a:t>Android </a:t>
+              <a:t>Android </a:t>
             </a:r>
             <a:r>
               <a:rPr lang="en-US" altLang="zh-TW" sz="2400" dirty="0" smtClean="0">
@@ -6047,14 +6066,7 @@
                 <a:latin typeface="+mn-ea"/>
                 <a:sym typeface="Wingdings" panose="05000000000000000000" pitchFamily="2" charset="2"/>
               </a:rPr>
-              <a:t>Room </a:t>
-            </a:r>
-            <a:r>
-              <a:rPr lang="en-US" altLang="zh-TW" sz="2400" dirty="0" smtClean="0">
-                <a:latin typeface="+mn-ea"/>
-                <a:sym typeface="Wingdings" panose="05000000000000000000" pitchFamily="2" charset="2"/>
-              </a:rPr>
-              <a:t>Database</a:t>
+              <a:t>Room Database</a:t>
             </a:r>
             <a:r>
               <a:rPr lang="zh-TW" altLang="en-US" sz="2400" dirty="0" smtClean="0">
@@ -6095,28 +6107,14 @@
                 <a:latin typeface="+mn-ea"/>
                 <a:sym typeface="Wingdings" panose="05000000000000000000" pitchFamily="2" charset="2"/>
               </a:rPr>
-              <a:t>應用</a:t>
-            </a:r>
-            <a:r>
-              <a:rPr lang="zh-TW" altLang="en-US" sz="2400" dirty="0" smtClean="0">
-                <a:latin typeface="+mn-ea"/>
-                <a:sym typeface="Wingdings" panose="05000000000000000000" pitchFamily="2" charset="2"/>
-              </a:rPr>
-              <a:t>系統與專案整合</a:t>
+              <a:t>應用系統與專案整合</a:t>
             </a:r>
             <a:r>
               <a:rPr lang="en-US" altLang="zh-TW" sz="2400" dirty="0" smtClean="0">
                 <a:latin typeface="+mn-ea"/>
                 <a:sym typeface="Wingdings" panose="05000000000000000000" pitchFamily="2" charset="2"/>
               </a:rPr>
-              <a:t></a:t>
-            </a:r>
-            <a:r>
-              <a:rPr lang="en-US" altLang="zh-TW" sz="2400" dirty="0">
-                <a:latin typeface="+mn-ea"/>
-                <a:sym typeface="Wingdings" panose="05000000000000000000" pitchFamily="2" charset="2"/>
-              </a:rPr>
-              <a:t>Arduino </a:t>
+              <a:t>Python Web Server, Arduino </a:t>
             </a:r>
             <a:r>
               <a:rPr lang="en-US" altLang="zh-TW" sz="2400" dirty="0" err="1" smtClean="0">
@@ -6126,32 +6124,18 @@
               <a:t>Yún</a:t>
             </a:r>
             <a:r>
-              <a:rPr lang="zh-TW" altLang="en-US" sz="2400" dirty="0" smtClean="0">
-                <a:latin typeface="+mn-ea"/>
-                <a:sym typeface="Wingdings" panose="05000000000000000000" pitchFamily="2" charset="2"/>
-              </a:rPr>
-              <a:t> </a:t>
-            </a:r>
-            <a:r>
               <a:rPr lang="en-US" altLang="zh-TW" sz="2400" dirty="0" smtClean="0">
                 <a:latin typeface="+mn-ea"/>
                 <a:sym typeface="Wingdings" panose="05000000000000000000" pitchFamily="2" charset="2"/>
               </a:rPr>
-              <a:t>&amp;</a:t>
-            </a:r>
-            <a:r>
-              <a:rPr lang="zh-TW" altLang="en-US" sz="2400" dirty="0" smtClean="0">
-                <a:latin typeface="+mn-ea"/>
-                <a:sym typeface="Wingdings" panose="05000000000000000000" pitchFamily="2" charset="2"/>
-              </a:rPr>
-              <a:t> </a:t>
+              <a:t>, Robot </a:t>
             </a:r>
             <a:r>
               <a:rPr lang="en-US" altLang="zh-TW" sz="2400" dirty="0" smtClean="0">
                 <a:latin typeface="+mn-ea"/>
                 <a:sym typeface="Wingdings" panose="05000000000000000000" pitchFamily="2" charset="2"/>
               </a:rPr>
-              <a:t>Robot Arm</a:t>
+              <a:t>Arm</a:t>
             </a:r>
             <a:endParaRPr lang="zh-TW" altLang="en-US" sz="2400" dirty="0">
               <a:latin typeface="+mn-ea"/>
@@ -6194,7 +6178,7 @@
           <p:cNvPr id="2" name="標題 1">
             <a:extLst>
               <a:ext uri="{FF2B5EF4-FFF2-40B4-BE49-F238E27FC236}">
-                <a16:creationId xmlns:a16="http://schemas.microsoft.com/office/drawing/2014/main" xmlns="" id="{C07F0143-5CAA-4D96-941A-CDA824A79341}"/>
+                <a16:creationId xmlns="" xmlns:a16="http://schemas.microsoft.com/office/drawing/2014/main" id="{C07F0143-5CAA-4D96-941A-CDA824A79341}"/>
               </a:ext>
             </a:extLst>
           </p:cNvPr>
@@ -6245,7 +6229,7 @@
           <p:cNvPr id="3" name="直排文字版面配置區 2">
             <a:extLst>
               <a:ext uri="{FF2B5EF4-FFF2-40B4-BE49-F238E27FC236}">
-                <a16:creationId xmlns:a16="http://schemas.microsoft.com/office/drawing/2014/main" xmlns="" id="{16F1E424-10E8-4627-86E9-3BF6985CFBED}"/>
+                <a16:creationId xmlns="" xmlns:a16="http://schemas.microsoft.com/office/drawing/2014/main" id="{16F1E424-10E8-4627-86E9-3BF6985CFBED}"/>
               </a:ext>
             </a:extLst>
           </p:cNvPr>
@@ -6380,7 +6364,7 @@
           <p:cNvPr id="5" name="Picture 2" descr="418STK+6U3L">
             <a:extLst>
               <a:ext uri="{FF2B5EF4-FFF2-40B4-BE49-F238E27FC236}">
-                <a16:creationId xmlns:a16="http://schemas.microsoft.com/office/drawing/2014/main" xmlns="" id="{8E003C02-84B7-4BE3-AA66-14E7E0DC7C2B}"/>
+                <a16:creationId xmlns="" xmlns:a16="http://schemas.microsoft.com/office/drawing/2014/main" id="{8E003C02-84B7-4BE3-AA66-14E7E0DC7C2B}"/>
               </a:ext>
             </a:extLst>
           </p:cNvPr>
@@ -6428,7 +6412,7 @@
           <p:cNvPr id="4" name="Picture 4" descr="ãArduino YÃºnãçåçæå°çµæ">
             <a:extLst>
               <a:ext uri="{FF2B5EF4-FFF2-40B4-BE49-F238E27FC236}">
-                <a16:creationId xmlns:a16="http://schemas.microsoft.com/office/drawing/2014/main" xmlns="" id="{3682C6EF-D84D-4AF1-96B7-9DF3EE5F198F}"/>
+                <a16:creationId xmlns="" xmlns:a16="http://schemas.microsoft.com/office/drawing/2014/main" id="{3682C6EF-D84D-4AF1-96B7-9DF3EE5F198F}"/>
               </a:ext>
             </a:extLst>
           </p:cNvPr>
@@ -6503,7 +6487,7 @@
           <p:cNvPr id="9" name="Picture 2" descr="418STK+6U3L">
             <a:extLst>
               <a:ext uri="{FF2B5EF4-FFF2-40B4-BE49-F238E27FC236}">
-                <a16:creationId xmlns:a16="http://schemas.microsoft.com/office/drawing/2014/main" xmlns="" id="{218B22DB-FDDA-49D7-92A6-CA4C2ED4BCA1}"/>
+                <a16:creationId xmlns="" xmlns:a16="http://schemas.microsoft.com/office/drawing/2014/main" id="{218B22DB-FDDA-49D7-92A6-CA4C2ED4BCA1}"/>
               </a:ext>
             </a:extLst>
           </p:cNvPr>
@@ -6551,7 +6535,7 @@
           <p:cNvPr id="2" name="標題 1">
             <a:extLst>
               <a:ext uri="{FF2B5EF4-FFF2-40B4-BE49-F238E27FC236}">
-                <a16:creationId xmlns:a16="http://schemas.microsoft.com/office/drawing/2014/main" xmlns="" id="{C07F0143-5CAA-4D96-941A-CDA824A79341}"/>
+                <a16:creationId xmlns="" xmlns:a16="http://schemas.microsoft.com/office/drawing/2014/main" id="{C07F0143-5CAA-4D96-941A-CDA824A79341}"/>
               </a:ext>
             </a:extLst>
           </p:cNvPr>
@@ -6584,7 +6568,7 @@
           <p:cNvPr id="4" name="箭號: 向右 3">
             <a:extLst>
               <a:ext uri="{FF2B5EF4-FFF2-40B4-BE49-F238E27FC236}">
-                <a16:creationId xmlns:a16="http://schemas.microsoft.com/office/drawing/2014/main" xmlns="" id="{C8C02CCD-C556-4E34-8446-C49617F89DDD}"/>
+                <a16:creationId xmlns="" xmlns:a16="http://schemas.microsoft.com/office/drawing/2014/main" id="{C8C02CCD-C556-4E34-8446-C49617F89DDD}"/>
               </a:ext>
             </a:extLst>
           </p:cNvPr>
@@ -6637,7 +6621,7 @@
           <p:cNvPr id="5" name="Picture 4" descr="ãArduino YÃºnãçåçæå°çµæ">
             <a:extLst>
               <a:ext uri="{FF2B5EF4-FFF2-40B4-BE49-F238E27FC236}">
-                <a16:creationId xmlns:a16="http://schemas.microsoft.com/office/drawing/2014/main" xmlns="" id="{D74B8EE8-A8BB-4E31-BFAD-18F4C601E6DA}"/>
+                <a16:creationId xmlns="" xmlns:a16="http://schemas.microsoft.com/office/drawing/2014/main" id="{D74B8EE8-A8BB-4E31-BFAD-18F4C601E6DA}"/>
               </a:ext>
             </a:extLst>
           </p:cNvPr>
@@ -6684,7 +6668,7 @@
           <p:cNvPr id="7" name="圖片 6">
             <a:extLst>
               <a:ext uri="{FF2B5EF4-FFF2-40B4-BE49-F238E27FC236}">
-                <a16:creationId xmlns:a16="http://schemas.microsoft.com/office/drawing/2014/main" xmlns="" id="{A72D2519-23D1-47A0-94FC-01ED9605ACFF}"/>
+                <a16:creationId xmlns="" xmlns:a16="http://schemas.microsoft.com/office/drawing/2014/main" id="{A72D2519-23D1-47A0-94FC-01ED9605ACFF}"/>
               </a:ext>
             </a:extLst>
           </p:cNvPr>
@@ -6714,7 +6698,7 @@
           <p:cNvPr id="8" name="圖片 7">
             <a:extLst>
               <a:ext uri="{FF2B5EF4-FFF2-40B4-BE49-F238E27FC236}">
-                <a16:creationId xmlns:a16="http://schemas.microsoft.com/office/drawing/2014/main" xmlns="" id="{B11BE4CF-EFAD-4C08-8EE9-8660947CBCE9}"/>
+                <a16:creationId xmlns="" xmlns:a16="http://schemas.microsoft.com/office/drawing/2014/main" id="{B11BE4CF-EFAD-4C08-8EE9-8660947CBCE9}"/>
               </a:ext>
             </a:extLst>
           </p:cNvPr>
@@ -6744,7 +6728,7 @@
           <p:cNvPr id="10" name="文字方塊 9">
             <a:extLst>
               <a:ext uri="{FF2B5EF4-FFF2-40B4-BE49-F238E27FC236}">
-                <a16:creationId xmlns:a16="http://schemas.microsoft.com/office/drawing/2014/main" xmlns="" id="{70528213-9DE4-4D78-9DD1-276CBDB3DBF7}"/>
+                <a16:creationId xmlns="" xmlns:a16="http://schemas.microsoft.com/office/drawing/2014/main" id="{70528213-9DE4-4D78-9DD1-276CBDB3DBF7}"/>
               </a:ext>
             </a:extLst>
           </p:cNvPr>
@@ -6789,7 +6773,7 @@
           <p:cNvPr id="15" name="箭號: 彎曲 14">
             <a:extLst>
               <a:ext uri="{FF2B5EF4-FFF2-40B4-BE49-F238E27FC236}">
-                <a16:creationId xmlns:a16="http://schemas.microsoft.com/office/drawing/2014/main" xmlns="" id="{97B54716-746C-4CDB-8B85-A9E4410A2740}"/>
+                <a16:creationId xmlns="" xmlns:a16="http://schemas.microsoft.com/office/drawing/2014/main" id="{97B54716-746C-4CDB-8B85-A9E4410A2740}"/>
               </a:ext>
             </a:extLst>
           </p:cNvPr>
@@ -6847,7 +6831,7 @@
           <p:cNvPr id="17" name="文字方塊 16">
             <a:extLst>
               <a:ext uri="{FF2B5EF4-FFF2-40B4-BE49-F238E27FC236}">
-                <a16:creationId xmlns:a16="http://schemas.microsoft.com/office/drawing/2014/main" xmlns="" id="{97380F8A-2E26-4349-9FEB-B338B2C1244D}"/>
+                <a16:creationId xmlns="" xmlns:a16="http://schemas.microsoft.com/office/drawing/2014/main" id="{97380F8A-2E26-4349-9FEB-B338B2C1244D}"/>
               </a:ext>
             </a:extLst>
           </p:cNvPr>
@@ -7329,7 +7313,7 @@
           <p:cNvPr id="2" name="標題 1">
             <a:extLst>
               <a:ext uri="{FF2B5EF4-FFF2-40B4-BE49-F238E27FC236}">
-                <a16:creationId xmlns:a16="http://schemas.microsoft.com/office/drawing/2014/main" xmlns="" id="{B80EF6C5-5439-425B-A650-9F00E921E5E1}"/>
+                <a16:creationId xmlns="" xmlns:a16="http://schemas.microsoft.com/office/drawing/2014/main" id="{B80EF6C5-5439-425B-A650-9F00E921E5E1}"/>
               </a:ext>
             </a:extLst>
           </p:cNvPr>
@@ -7359,7 +7343,7 @@
           <p:cNvPr id="5" name="副標題 4">
             <a:extLst>
               <a:ext uri="{FF2B5EF4-FFF2-40B4-BE49-F238E27FC236}">
-                <a16:creationId xmlns:a16="http://schemas.microsoft.com/office/drawing/2014/main" xmlns="" id="{6730A8AF-C0F9-46DE-836D-DD1EAE11B096}"/>
+                <a16:creationId xmlns="" xmlns:a16="http://schemas.microsoft.com/office/drawing/2014/main" id="{6730A8AF-C0F9-46DE-836D-DD1EAE11B096}"/>
               </a:ext>
             </a:extLst>
           </p:cNvPr>
@@ -7643,7 +7627,7 @@
   <a:extraClrSchemeLst/>
   <a:extLst>
     <a:ext uri="{05A4C25C-085E-4340-85A3-A5531E510DB2}">
-      <thm15:themeFamily xmlns:thm15="http://schemas.microsoft.com/office/thememl/2012/main" xmlns="" name="Facet" id="{C0C680CD-088A-49FC-A102-D699147F32B2}" vid="{CFBC31BA-B70F-4F30-BCAA-4F3011E16C4D}"/>
+      <thm15:themeFamily xmlns="" xmlns:thm15="http://schemas.microsoft.com/office/thememl/2012/main" name="Facet" id="{C0C680CD-088A-49FC-A102-D699147F32B2}" vid="{CFBC31BA-B70F-4F30-BCAA-4F3011E16C4D}"/>
     </a:ext>
   </a:extLst>
 </a:theme>
